--- a/Game Stuff/FinalPresentation.pptx
+++ b/Game Stuff/FinalPresentation.pptx
@@ -3655,22 +3655,14 @@
             </a:r>
             <a:r>
               <a:rPr lang="en-US" sz="2000" dirty="0" smtClean="0"/>
-              <a:t>The Nikola </a:t>
-            </a:r>
+              <a:t>The Nikola Tesla’s</a:t>
+            </a:r>
+          </a:p>
+          <a:p>
+            <a:pPr algn="ctr"/>
             <a:r>
               <a:rPr lang="en-US" sz="2000" dirty="0" smtClean="0"/>
-              <a:t>Tesla’s</a:t>
-            </a:r>
-          </a:p>
-          <a:p>
-            <a:pPr algn="ctr"/>
-            <a:r>
-              <a:rPr lang="en-US" sz="2000" dirty="0" smtClean="0"/>
-              <a:t>Ryan Babcock, Stacy Carlson, and Laura Humphreys </a:t>
-            </a:r>
-            <a:r>
-              <a:rPr lang="en-US" sz="2000" dirty="0" smtClean="0"/>
-              <a:t> </a:t>
+              <a:t>Ryan Babcock, Stacy Carlson, and Laura Humphreys  </a:t>
             </a:r>
             <a:endParaRPr lang="en-US" sz="2000" dirty="0"/>
           </a:p>
@@ -4153,25 +4145,29 @@
           </a:p>
         </p:txBody>
       </p:sp>
-      <p:sp>
-        <p:nvSpPr>
-          <p:cNvPr id="3" name="Content Placeholder 2"/>
-          <p:cNvSpPr>
-            <a:spLocks noGrp="1"/>
-          </p:cNvSpPr>
+      <p:pic>
+        <p:nvPicPr>
+          <p:cNvPr id="4" name="Content Placeholder 3" descr="RobotDecorator.png"/>
+          <p:cNvPicPr>
+            <a:picLocks noGrp="1" noChangeAspect="1"/>
+          </p:cNvPicPr>
           <p:nvPr>
             <p:ph idx="1"/>
           </p:nvPr>
-        </p:nvSpPr>
-        <p:spPr/>
-        <p:txBody>
-          <a:bodyPr/>
-          <a:lstStyle/>
-          <a:p>
-            <a:endParaRPr lang="en-US"/>
-          </a:p>
-        </p:txBody>
-      </p:sp>
+        </p:nvPicPr>
+        <p:blipFill>
+          <a:blip r:embed="rId2" cstate="print"/>
+          <a:stretch>
+            <a:fillRect/>
+          </a:stretch>
+        </p:blipFill>
+        <p:spPr>
+          <a:xfrm>
+            <a:off x="1678215" y="1905000"/>
+            <a:ext cx="5787571" cy="4191000"/>
+          </a:xfrm>
+        </p:spPr>
+      </p:pic>
     </p:spTree>
   </p:cSld>
   <p:clrMapOvr>
@@ -4221,25 +4217,29 @@
           </a:p>
         </p:txBody>
       </p:sp>
-      <p:sp>
-        <p:nvSpPr>
-          <p:cNvPr id="3" name="Content Placeholder 2"/>
-          <p:cNvSpPr>
-            <a:spLocks noGrp="1"/>
-          </p:cNvSpPr>
+      <p:pic>
+        <p:nvPicPr>
+          <p:cNvPr id="4" name="Content Placeholder 3" descr="ActionFactory.png"/>
+          <p:cNvPicPr>
+            <a:picLocks noGrp="1" noChangeAspect="1"/>
+          </p:cNvPicPr>
           <p:nvPr>
             <p:ph idx="1"/>
           </p:nvPr>
-        </p:nvSpPr>
-        <p:spPr/>
-        <p:txBody>
-          <a:bodyPr/>
-          <a:lstStyle/>
-          <a:p>
-            <a:endParaRPr lang="en-US"/>
-          </a:p>
-        </p:txBody>
-      </p:sp>
+        </p:nvPicPr>
+        <p:blipFill>
+          <a:blip r:embed="rId2" cstate="print"/>
+          <a:stretch>
+            <a:fillRect/>
+          </a:stretch>
+        </p:blipFill>
+        <p:spPr>
+          <a:xfrm>
+            <a:off x="2412191" y="2590801"/>
+            <a:ext cx="4319619" cy="2037556"/>
+          </a:xfrm>
+        </p:spPr>
+      </p:pic>
     </p:spTree>
   </p:cSld>
   <p:clrMapOvr>
@@ -4289,25 +4289,29 @@
           </a:p>
         </p:txBody>
       </p:sp>
-      <p:sp>
-        <p:nvSpPr>
-          <p:cNvPr id="3" name="Content Placeholder 2"/>
-          <p:cNvSpPr>
-            <a:spLocks noGrp="1"/>
-          </p:cNvSpPr>
+      <p:pic>
+        <p:nvPicPr>
+          <p:cNvPr id="4" name="Content Placeholder 3" descr="GameCharacterFactory.png"/>
+          <p:cNvPicPr>
+            <a:picLocks noGrp="1" noChangeAspect="1"/>
+          </p:cNvPicPr>
           <p:nvPr>
             <p:ph idx="1"/>
           </p:nvPr>
-        </p:nvSpPr>
-        <p:spPr/>
-        <p:txBody>
-          <a:bodyPr/>
-          <a:lstStyle/>
-          <a:p>
-            <a:endParaRPr lang="en-US"/>
-          </a:p>
-        </p:txBody>
-      </p:sp>
+        </p:nvPicPr>
+        <p:blipFill>
+          <a:blip r:embed="rId2" cstate="print"/>
+          <a:stretch>
+            <a:fillRect/>
+          </a:stretch>
+        </p:blipFill>
+        <p:spPr>
+          <a:xfrm>
+            <a:off x="1224730" y="1828800"/>
+            <a:ext cx="6694540" cy="4366004"/>
+          </a:xfrm>
+        </p:spPr>
+      </p:pic>
     </p:spTree>
   </p:cSld>
   <p:clrMapOvr>
@@ -4357,25 +4361,29 @@
           </a:p>
         </p:txBody>
       </p:sp>
-      <p:sp>
-        <p:nvSpPr>
-          <p:cNvPr id="3" name="Content Placeholder 2"/>
-          <p:cNvSpPr>
-            <a:spLocks noGrp="1"/>
-          </p:cNvSpPr>
+      <p:pic>
+        <p:nvPicPr>
+          <p:cNvPr id="4" name="Content Placeholder 3" descr="ImageFactory.png"/>
+          <p:cNvPicPr>
+            <a:picLocks noGrp="1" noChangeAspect="1"/>
+          </p:cNvPicPr>
           <p:nvPr>
             <p:ph idx="1"/>
           </p:nvPr>
-        </p:nvSpPr>
-        <p:spPr/>
-        <p:txBody>
-          <a:bodyPr/>
-          <a:lstStyle/>
-          <a:p>
-            <a:endParaRPr lang="en-US"/>
-          </a:p>
-        </p:txBody>
-      </p:sp>
+        </p:nvPicPr>
+        <p:blipFill>
+          <a:blip r:embed="rId2" cstate="print"/>
+          <a:stretch>
+            <a:fillRect/>
+          </a:stretch>
+        </p:blipFill>
+        <p:spPr>
+          <a:xfrm>
+            <a:off x="2527168" y="2438401"/>
+            <a:ext cx="4089664" cy="2094706"/>
+          </a:xfrm>
+        </p:spPr>
+      </p:pic>
     </p:spTree>
   </p:cSld>
   <p:clrMapOvr>
@@ -4493,25 +4501,29 @@
           </a:p>
         </p:txBody>
       </p:sp>
-      <p:sp>
-        <p:nvSpPr>
-          <p:cNvPr id="3" name="Content Placeholder 2"/>
-          <p:cNvSpPr>
-            <a:spLocks noGrp="1"/>
-          </p:cNvSpPr>
+      <p:pic>
+        <p:nvPicPr>
+          <p:cNvPr id="4" name="Content Placeholder 3" descr="RobotFactory.png"/>
+          <p:cNvPicPr>
+            <a:picLocks noGrp="1" noChangeAspect="1"/>
+          </p:cNvPicPr>
           <p:nvPr>
             <p:ph idx="1"/>
           </p:nvPr>
-        </p:nvSpPr>
-        <p:spPr/>
-        <p:txBody>
-          <a:bodyPr/>
-          <a:lstStyle/>
-          <a:p>
-            <a:endParaRPr lang="en-US"/>
-          </a:p>
-        </p:txBody>
-      </p:sp>
+        </p:nvPicPr>
+        <p:blipFill>
+          <a:blip r:embed="rId2" cstate="print"/>
+          <a:stretch>
+            <a:fillRect/>
+          </a:stretch>
+        </p:blipFill>
+        <p:spPr>
+          <a:xfrm>
+            <a:off x="2796169" y="2438400"/>
+            <a:ext cx="3551662" cy="2971799"/>
+          </a:xfrm>
+        </p:spPr>
+      </p:pic>
     </p:spTree>
   </p:cSld>
   <p:clrMapOvr>

--- a/Game Stuff/FinalPresentation.pptx
+++ b/Game Stuff/FinalPresentation.pptx
@@ -3717,25 +3717,29 @@
           </a:p>
         </p:txBody>
       </p:sp>
-      <p:sp>
-        <p:nvSpPr>
-          <p:cNvPr id="3" name="Content Placeholder 2"/>
-          <p:cNvSpPr>
-            <a:spLocks noGrp="1"/>
-          </p:cNvSpPr>
+      <p:pic>
+        <p:nvPicPr>
+          <p:cNvPr id="6" name="Content Placeholder 5" descr="SpecialAttack.png"/>
+          <p:cNvPicPr>
+            <a:picLocks noGrp="1" noChangeAspect="1"/>
+          </p:cNvPicPr>
           <p:nvPr>
             <p:ph idx="1"/>
           </p:nvPr>
-        </p:nvSpPr>
-        <p:spPr/>
-        <p:txBody>
-          <a:bodyPr/>
-          <a:lstStyle/>
-          <a:p>
-            <a:endParaRPr lang="en-US"/>
-          </a:p>
-        </p:txBody>
-      </p:sp>
+        </p:nvPicPr>
+        <p:blipFill>
+          <a:blip r:embed="rId2" cstate="print"/>
+          <a:stretch>
+            <a:fillRect/>
+          </a:stretch>
+        </p:blipFill>
+        <p:spPr>
+          <a:xfrm>
+            <a:off x="1348319" y="1609725"/>
+            <a:ext cx="6447362" cy="4846638"/>
+          </a:xfrm>
+        </p:spPr>
+      </p:pic>
     </p:spTree>
   </p:cSld>
   <p:clrMapOvr>
@@ -3882,7 +3886,15 @@
             <a:pPr lvl="1"/>
             <a:r>
               <a:rPr lang="en-US" dirty="0" smtClean="0"/>
-              <a:t>3 Sizes</a:t>
+              <a:t>2</a:t>
+            </a:r>
+            <a:r>
+              <a:rPr lang="en-US" dirty="0" smtClean="0"/>
+              <a:t> </a:t>
+            </a:r>
+            <a:r>
+              <a:rPr lang="en-US" dirty="0" smtClean="0"/>
+              <a:t>Sizes</a:t>
             </a:r>
           </a:p>
           <a:p>
@@ -4291,7 +4303,7 @@
       </p:sp>
       <p:pic>
         <p:nvPicPr>
-          <p:cNvPr id="4" name="Content Placeholder 3" descr="GameCharacterFactory.png"/>
+          <p:cNvPr id="6" name="Content Placeholder 5" descr="GameCharacterFactory.png"/>
           <p:cNvPicPr>
             <a:picLocks noGrp="1" noChangeAspect="1"/>
           </p:cNvPicPr>
@@ -4307,8 +4319,8 @@
         </p:blipFill>
         <p:spPr>
           <a:xfrm>
-            <a:off x="1224730" y="1828800"/>
-            <a:ext cx="6694540" cy="4366004"/>
+            <a:off x="1338262" y="2247106"/>
+            <a:ext cx="5476875" cy="3571875"/>
           </a:xfrm>
         </p:spPr>
       </p:pic>
@@ -4433,25 +4445,29 @@
           </a:p>
         </p:txBody>
       </p:sp>
-      <p:sp>
-        <p:nvSpPr>
-          <p:cNvPr id="3" name="Content Placeholder 2"/>
-          <p:cNvSpPr>
-            <a:spLocks noGrp="1"/>
-          </p:cNvSpPr>
+      <p:pic>
+        <p:nvPicPr>
+          <p:cNvPr id="4" name="Content Placeholder 3" descr="BattleWindow.png"/>
+          <p:cNvPicPr>
+            <a:picLocks noGrp="1" noChangeAspect="1"/>
+          </p:cNvPicPr>
           <p:nvPr>
             <p:ph idx="1"/>
           </p:nvPr>
-        </p:nvSpPr>
-        <p:spPr/>
-        <p:txBody>
-          <a:bodyPr/>
-          <a:lstStyle/>
-          <a:p>
-            <a:endParaRPr lang="en-US"/>
-          </a:p>
-        </p:txBody>
-      </p:sp>
+        </p:nvPicPr>
+        <p:blipFill>
+          <a:blip r:embed="rId2" cstate="print"/>
+          <a:stretch>
+            <a:fillRect/>
+          </a:stretch>
+        </p:blipFill>
+        <p:spPr>
+          <a:xfrm>
+            <a:off x="3164004" y="1609724"/>
+            <a:ext cx="2815993" cy="5130507"/>
+          </a:xfrm>
+        </p:spPr>
+      </p:pic>
     </p:spTree>
   </p:cSld>
   <p:clrMapOvr>

--- a/Game Stuff/FinalPresentation.pptx
+++ b/Game Stuff/FinalPresentation.pptx
@@ -388,7 +388,7 @@
             <a:fld id="{BABA902F-62B8-4124-A6EF-C8E3D0F779B2}" type="datetimeFigureOut">
               <a:rPr lang="en-US" smtClean="0"/>
               <a:pPr/>
-              <a:t>3/15/2015</a:t>
+              <a:t>3/16/2015</a:t>
             </a:fld>
             <a:endParaRPr lang="en-US"/>
           </a:p>
@@ -589,7 +589,7 @@
             <a:fld id="{BABA902F-62B8-4124-A6EF-C8E3D0F779B2}" type="datetimeFigureOut">
               <a:rPr lang="en-US" smtClean="0"/>
               <a:pPr/>
-              <a:t>3/15/2015</a:t>
+              <a:t>3/16/2015</a:t>
             </a:fld>
             <a:endParaRPr lang="en-US"/>
           </a:p>
@@ -781,7 +781,7 @@
             <a:fld id="{BABA902F-62B8-4124-A6EF-C8E3D0F779B2}" type="datetimeFigureOut">
               <a:rPr lang="en-US" smtClean="0"/>
               <a:pPr/>
-              <a:t>3/15/2015</a:t>
+              <a:t>3/16/2015</a:t>
             </a:fld>
             <a:endParaRPr lang="en-US"/>
           </a:p>
@@ -975,7 +975,7 @@
             <a:fld id="{BABA902F-62B8-4124-A6EF-C8E3D0F779B2}" type="datetimeFigureOut">
               <a:rPr lang="en-US" smtClean="0"/>
               <a:pPr/>
-              <a:t>3/15/2015</a:t>
+              <a:t>3/16/2015</a:t>
             </a:fld>
             <a:endParaRPr lang="en-US"/>
           </a:p>
@@ -1203,7 +1203,7 @@
             <a:fld id="{BABA902F-62B8-4124-A6EF-C8E3D0F779B2}" type="datetimeFigureOut">
               <a:rPr lang="en-US" smtClean="0"/>
               <a:pPr/>
-              <a:t>3/15/2015</a:t>
+              <a:t>3/16/2015</a:t>
             </a:fld>
             <a:endParaRPr lang="en-US"/>
           </a:p>
@@ -1496,7 +1496,7 @@
             <a:fld id="{BABA902F-62B8-4124-A6EF-C8E3D0F779B2}" type="datetimeFigureOut">
               <a:rPr lang="en-US" smtClean="0"/>
               <a:pPr/>
-              <a:t>3/15/2015</a:t>
+              <a:t>3/16/2015</a:t>
             </a:fld>
             <a:endParaRPr lang="en-US"/>
           </a:p>
@@ -1929,7 +1929,7 @@
             <a:fld id="{BABA902F-62B8-4124-A6EF-C8E3D0F779B2}" type="datetimeFigureOut">
               <a:rPr lang="en-US" smtClean="0"/>
               <a:pPr/>
-              <a:t>3/15/2015</a:t>
+              <a:t>3/16/2015</a:t>
             </a:fld>
             <a:endParaRPr lang="en-US"/>
           </a:p>
@@ -2057,7 +2057,7 @@
             <a:fld id="{BABA902F-62B8-4124-A6EF-C8E3D0F779B2}" type="datetimeFigureOut">
               <a:rPr lang="en-US" smtClean="0"/>
               <a:pPr/>
-              <a:t>3/15/2015</a:t>
+              <a:t>3/16/2015</a:t>
             </a:fld>
             <a:endParaRPr lang="en-US"/>
           </a:p>
@@ -2162,7 +2162,7 @@
             <a:fld id="{BABA902F-62B8-4124-A6EF-C8E3D0F779B2}" type="datetimeFigureOut">
               <a:rPr lang="en-US" smtClean="0"/>
               <a:pPr/>
-              <a:t>3/15/2015</a:t>
+              <a:t>3/16/2015</a:t>
             </a:fld>
             <a:endParaRPr lang="en-US"/>
           </a:p>
@@ -2433,7 +2433,7 @@
             <a:fld id="{BABA902F-62B8-4124-A6EF-C8E3D0F779B2}" type="datetimeFigureOut">
               <a:rPr lang="en-US" smtClean="0"/>
               <a:pPr/>
-              <a:t>3/15/2015</a:t>
+              <a:t>3/16/2015</a:t>
             </a:fld>
             <a:endParaRPr lang="en-US"/>
           </a:p>
@@ -2799,7 +2799,7 @@
             <a:fld id="{BABA902F-62B8-4124-A6EF-C8E3D0F779B2}" type="datetimeFigureOut">
               <a:rPr lang="en-US" smtClean="0"/>
               <a:pPr/>
-              <a:t>3/15/2015</a:t>
+              <a:t>3/16/2015</a:t>
             </a:fld>
             <a:endParaRPr lang="en-US"/>
           </a:p>
@@ -3156,7 +3156,7 @@
             <a:fld id="{BABA902F-62B8-4124-A6EF-C8E3D0F779B2}" type="datetimeFigureOut">
               <a:rPr lang="en-US" smtClean="0"/>
               <a:pPr/>
-              <a:t>3/15/2015</a:t>
+              <a:t>3/16/2015</a:t>
             </a:fld>
             <a:endParaRPr lang="en-US"/>
           </a:p>
@@ -3735,8 +3735,8 @@
         </p:blipFill>
         <p:spPr>
           <a:xfrm>
-            <a:off x="1348319" y="1609725"/>
-            <a:ext cx="6447362" cy="4846638"/>
+            <a:off x="1179398" y="1828800"/>
+            <a:ext cx="6785204" cy="4591186"/>
           </a:xfrm>
         </p:spPr>
       </p:pic>
@@ -3886,15 +3886,7 @@
             <a:pPr lvl="1"/>
             <a:r>
               <a:rPr lang="en-US" dirty="0" smtClean="0"/>
-              <a:t>2</a:t>
-            </a:r>
-            <a:r>
-              <a:rPr lang="en-US" dirty="0" smtClean="0"/>
-              <a:t> </a:t>
-            </a:r>
-            <a:r>
-              <a:rPr lang="en-US" dirty="0" smtClean="0"/>
-              <a:t>Sizes</a:t>
+              <a:t>2 Sizes</a:t>
             </a:r>
           </a:p>
           <a:p>
@@ -4159,13 +4151,11 @@
       </p:sp>
       <p:pic>
         <p:nvPicPr>
-          <p:cNvPr id="4" name="Content Placeholder 3" descr="RobotDecorator.png"/>
+          <p:cNvPr id="5" name="Picture 4" descr="RobotDecorator.png"/>
           <p:cNvPicPr>
-            <a:picLocks noGrp="1" noChangeAspect="1"/>
+            <a:picLocks noChangeAspect="1"/>
           </p:cNvPicPr>
-          <p:nvPr>
-            <p:ph idx="1"/>
-          </p:nvPr>
+          <p:nvPr/>
         </p:nvPicPr>
         <p:blipFill>
           <a:blip r:embed="rId2" cstate="print"/>
@@ -4175,9 +4165,12 @@
         </p:blipFill>
         <p:spPr>
           <a:xfrm>
-            <a:off x="1678215" y="1905000"/>
-            <a:ext cx="5787571" cy="4191000"/>
-          </a:xfrm>
+            <a:off x="91438" y="1881187"/>
+            <a:ext cx="7980999" cy="3529013"/>
+          </a:xfrm>
+          <a:prstGeom prst="rect">
+            <a:avLst/>
+          </a:prstGeom>
         </p:spPr>
       </p:pic>
     </p:spTree>
@@ -4247,8 +4240,8 @@
         </p:blipFill>
         <p:spPr>
           <a:xfrm>
-            <a:off x="2412191" y="2590801"/>
-            <a:ext cx="4319619" cy="2037556"/>
+            <a:off x="1098639" y="1828800"/>
+            <a:ext cx="6946723" cy="4190999"/>
           </a:xfrm>
         </p:spPr>
       </p:pic>
@@ -4319,8 +4312,8 @@
         </p:blipFill>
         <p:spPr>
           <a:xfrm>
-            <a:off x="1338262" y="2247106"/>
-            <a:ext cx="5476875" cy="3571875"/>
+            <a:off x="381000" y="1752601"/>
+            <a:ext cx="7611386" cy="3561978"/>
           </a:xfrm>
         </p:spPr>
       </p:pic>
@@ -4391,8 +4384,8 @@
         </p:blipFill>
         <p:spPr>
           <a:xfrm>
-            <a:off x="2527168" y="2438401"/>
-            <a:ext cx="4089664" cy="2094706"/>
+            <a:off x="914400" y="2819400"/>
+            <a:ext cx="7001691" cy="1587049"/>
           </a:xfrm>
         </p:spPr>
       </p:pic>
@@ -4463,8 +4456,8 @@
         </p:blipFill>
         <p:spPr>
           <a:xfrm>
-            <a:off x="3164004" y="1609724"/>
-            <a:ext cx="2815993" cy="5130507"/>
+            <a:off x="381000" y="1828800"/>
+            <a:ext cx="7560806" cy="4419600"/>
           </a:xfrm>
         </p:spPr>
       </p:pic>
@@ -4535,8 +4528,8 @@
         </p:blipFill>
         <p:spPr>
           <a:xfrm>
-            <a:off x="2796169" y="2438400"/>
-            <a:ext cx="3551662" cy="2971799"/>
+            <a:off x="1934999" y="1676400"/>
+            <a:ext cx="5274002" cy="4829877"/>
           </a:xfrm>
         </p:spPr>
       </p:pic>
